--- a/presentation_CV_Final.pptx
+++ b/presentation_CV_Final.pptx
@@ -244,7 +244,7 @@
           <a:p>
             <a:fld id="{A828F956-FBCF-4596-8579-03C3E4B1F367}" type="datetimeFigureOut">
               <a:rPr lang="en-US" smtClean="0"/>
-              <a:t>7/19/2025</a:t>
+              <a:t>7/22/2025</a:t>
             </a:fld>
             <a:endParaRPr lang="en-US"/>
           </a:p>
@@ -402,7 +402,7 @@
           <a:p>
             <a:fld id="{1BED63A3-D974-4793-B3DD-FA4EC52AEA9D}" type="slidenum">
               <a:rPr lang="en-US" smtClean="0"/>
-              <a:t>‹#›</a:t>
+              <a:t>‹N›</a:t>
             </a:fld>
             <a:endParaRPr lang="en-US"/>
           </a:p>
@@ -1960,7 +1960,7 @@
           <a:p>
             <a:fld id="{20025BB7-8A73-4C3C-888D-EB661FB644F1}" type="datetime1">
               <a:rPr lang="en-US" smtClean="0"/>
-              <a:t>7/19/2025</a:t>
+              <a:t>7/22/2025</a:t>
             </a:fld>
             <a:endParaRPr lang="en-US"/>
           </a:p>
@@ -2002,7 +2002,7 @@
           <a:p>
             <a:fld id="{A9BE3F49-EAFF-40F7-B956-2B48D3C53978}" type="slidenum">
               <a:rPr lang="en-US" smtClean="0"/>
-              <a:t>‹#›</a:t>
+              <a:t>‹N›</a:t>
             </a:fld>
             <a:endParaRPr lang="en-US"/>
           </a:p>
@@ -2169,7 +2169,7 @@
           <a:p>
             <a:fld id="{20025BB7-8A73-4C3C-888D-EB661FB644F1}" type="datetime1">
               <a:rPr lang="en-US" smtClean="0"/>
-              <a:t>7/19/2025</a:t>
+              <a:t>7/22/2025</a:t>
             </a:fld>
             <a:endParaRPr lang="en-US"/>
           </a:p>
@@ -2211,7 +2211,7 @@
           <a:p>
             <a:fld id="{A9BE3F49-EAFF-40F7-B956-2B48D3C53978}" type="slidenum">
               <a:rPr lang="en-US" smtClean="0"/>
-              <a:t>‹#›</a:t>
+              <a:t>‹N›</a:t>
             </a:fld>
             <a:endParaRPr lang="en-US"/>
           </a:p>
@@ -2426,7 +2426,7 @@
           <a:p>
             <a:fld id="{20025BB7-8A73-4C3C-888D-EB661FB644F1}" type="datetime1">
               <a:rPr lang="en-US" smtClean="0"/>
-              <a:t>7/19/2025</a:t>
+              <a:t>7/22/2025</a:t>
             </a:fld>
             <a:endParaRPr lang="en-US"/>
           </a:p>
@@ -2468,7 +2468,7 @@
           <a:p>
             <a:fld id="{A9BE3F49-EAFF-40F7-B956-2B48D3C53978}" type="slidenum">
               <a:rPr lang="en-US" smtClean="0"/>
-              <a:t>‹#›</a:t>
+              <a:t>‹N›</a:t>
             </a:fld>
             <a:endParaRPr lang="en-US"/>
           </a:p>
@@ -2655,7 +2655,7 @@
           <a:p>
             <a:fld id="{20025BB7-8A73-4C3C-888D-EB661FB644F1}" type="datetime1">
               <a:rPr lang="en-US" smtClean="0"/>
-              <a:t>7/19/2025</a:t>
+              <a:t>7/22/2025</a:t>
             </a:fld>
             <a:endParaRPr lang="en-US"/>
           </a:p>
@@ -2702,7 +2702,7 @@
           <a:p>
             <a:fld id="{A9BE3F49-EAFF-40F7-B956-2B48D3C53978}" type="slidenum">
               <a:rPr lang="en-US" smtClean="0"/>
-              <a:t>‹#›</a:t>
+              <a:t>‹N›</a:t>
             </a:fld>
             <a:endParaRPr lang="en-US"/>
           </a:p>
@@ -3004,7 +3004,7 @@
           <a:p>
             <a:fld id="{20025BB7-8A73-4C3C-888D-EB661FB644F1}" type="datetime1">
               <a:rPr lang="en-US" smtClean="0"/>
-              <a:t>7/19/2025</a:t>
+              <a:t>7/22/2025</a:t>
             </a:fld>
             <a:endParaRPr lang="en-US"/>
           </a:p>
@@ -3046,7 +3046,7 @@
           <a:p>
             <a:fld id="{A9BE3F49-EAFF-40F7-B956-2B48D3C53978}" type="slidenum">
               <a:rPr lang="en-US" smtClean="0"/>
-              <a:t>‹#›</a:t>
+              <a:t>‹N›</a:t>
             </a:fld>
             <a:endParaRPr lang="en-US"/>
           </a:p>
@@ -3280,7 +3280,7 @@
           <a:p>
             <a:fld id="{20025BB7-8A73-4C3C-888D-EB661FB644F1}" type="datetime1">
               <a:rPr lang="en-US" smtClean="0"/>
-              <a:t>7/19/2025</a:t>
+              <a:t>7/22/2025</a:t>
             </a:fld>
             <a:endParaRPr lang="en-US"/>
           </a:p>
@@ -3322,7 +3322,7 @@
           <a:p>
             <a:fld id="{A9BE3F49-EAFF-40F7-B956-2B48D3C53978}" type="slidenum">
               <a:rPr lang="en-US" smtClean="0"/>
-              <a:t>‹#›</a:t>
+              <a:t>‹N›</a:t>
             </a:fld>
             <a:endParaRPr lang="en-US"/>
           </a:p>
@@ -3660,7 +3660,7 @@
           <a:p>
             <a:fld id="{20025BB7-8A73-4C3C-888D-EB661FB644F1}" type="datetime1">
               <a:rPr lang="en-US" smtClean="0"/>
-              <a:t>7/19/2025</a:t>
+              <a:t>7/22/2025</a:t>
             </a:fld>
             <a:endParaRPr lang="en-US"/>
           </a:p>
@@ -3702,7 +3702,7 @@
           <a:p>
             <a:fld id="{A9BE3F49-EAFF-40F7-B956-2B48D3C53978}" type="slidenum">
               <a:rPr lang="en-US" smtClean="0"/>
-              <a:t>‹#›</a:t>
+              <a:t>‹N›</a:t>
             </a:fld>
             <a:endParaRPr lang="en-US"/>
           </a:p>
@@ -3779,7 +3779,7 @@
           <a:p>
             <a:fld id="{20025BB7-8A73-4C3C-888D-EB661FB644F1}" type="datetime1">
               <a:rPr lang="en-US" smtClean="0"/>
-              <a:t>7/19/2025</a:t>
+              <a:t>7/22/2025</a:t>
             </a:fld>
             <a:endParaRPr lang="en-US"/>
           </a:p>
@@ -3821,7 +3821,7 @@
           <a:p>
             <a:fld id="{A9BE3F49-EAFF-40F7-B956-2B48D3C53978}" type="slidenum">
               <a:rPr lang="en-US" smtClean="0"/>
-              <a:t>‹#›</a:t>
+              <a:t>‹N›</a:t>
             </a:fld>
             <a:endParaRPr lang="en-US"/>
           </a:p>
@@ -3951,7 +3951,7 @@
           <a:p>
             <a:fld id="{20025BB7-8A73-4C3C-888D-EB661FB644F1}" type="datetime1">
               <a:rPr lang="en-US" smtClean="0"/>
-              <a:t>7/19/2025</a:t>
+              <a:t>7/22/2025</a:t>
             </a:fld>
             <a:endParaRPr lang="en-US"/>
           </a:p>
@@ -4001,7 +4001,7 @@
           <a:p>
             <a:fld id="{A9BE3F49-EAFF-40F7-B956-2B48D3C53978}" type="slidenum">
               <a:rPr lang="en-US" smtClean="0"/>
-              <a:t>‹#›</a:t>
+              <a:t>‹N›</a:t>
             </a:fld>
             <a:endParaRPr lang="en-US"/>
           </a:p>
@@ -4306,7 +4306,7 @@
           <a:p>
             <a:fld id="{20025BB7-8A73-4C3C-888D-EB661FB644F1}" type="datetime1">
               <a:rPr lang="en-US" smtClean="0"/>
-              <a:t>7/19/2025</a:t>
+              <a:t>7/22/2025</a:t>
             </a:fld>
             <a:endParaRPr lang="en-US"/>
           </a:p>
@@ -4369,7 +4369,7 @@
           <a:p>
             <a:fld id="{A9BE3F49-EAFF-40F7-B956-2B48D3C53978}" type="slidenum">
               <a:rPr lang="en-US" smtClean="0"/>
-              <a:t>‹#›</a:t>
+              <a:t>‹N›</a:t>
             </a:fld>
             <a:endParaRPr lang="en-US"/>
           </a:p>
@@ -4689,7 +4689,7 @@
           <a:p>
             <a:fld id="{20025BB7-8A73-4C3C-888D-EB661FB644F1}" type="datetime1">
               <a:rPr lang="en-US" smtClean="0"/>
-              <a:t>7/19/2025</a:t>
+              <a:t>7/22/2025</a:t>
             </a:fld>
             <a:endParaRPr lang="en-US"/>
           </a:p>
@@ -4731,7 +4731,7 @@
           <a:p>
             <a:fld id="{A9BE3F49-EAFF-40F7-B956-2B48D3C53978}" type="slidenum">
               <a:rPr lang="en-US" smtClean="0"/>
-              <a:t>‹#›</a:t>
+              <a:t>‹N›</a:t>
             </a:fld>
             <a:endParaRPr lang="en-US"/>
           </a:p>
@@ -4977,7 +4977,7 @@
           <a:p>
             <a:fld id="{20025BB7-8A73-4C3C-888D-EB661FB644F1}" type="datetime1">
               <a:rPr lang="en-US" smtClean="0"/>
-              <a:t>7/19/2025</a:t>
+              <a:t>7/22/2025</a:t>
             </a:fld>
             <a:endParaRPr lang="en-US"/>
           </a:p>
@@ -5051,7 +5051,7 @@
           <a:p>
             <a:fld id="{A9BE3F49-EAFF-40F7-B956-2B48D3C53978}" type="slidenum">
               <a:rPr lang="en-US" smtClean="0"/>
-              <a:t>‹#›</a:t>
+              <a:t>‹N›</a:t>
             </a:fld>
             <a:endParaRPr lang="en-US"/>
           </a:p>
@@ -5693,13 +5693,22 @@
               </a:tabLst>
             </a:pPr>
             <a:r>
+              <a:rPr lang="en-US" sz="1800" kern="100">
+                <a:effectLst/>
+                <a:latin typeface="Times New Roman" panose="02020603050405020304" pitchFamily="18" charset="0"/>
+                <a:ea typeface="Calibri" panose="020F0502020204030204" pitchFamily="34" charset="0"/>
+                <a:cs typeface="Times New Roman" panose="02020603050405020304" pitchFamily="18" charset="0"/>
+              </a:rPr>
+              <a:t>Andrea </a:t>
+            </a:r>
+            <a:r>
               <a:rPr lang="en-US" sz="1800" kern="100" dirty="0">
                 <a:effectLst/>
                 <a:latin typeface="Times New Roman" panose="02020603050405020304" pitchFamily="18" charset="0"/>
                 <a:ea typeface="Calibri" panose="020F0502020204030204" pitchFamily="34" charset="0"/>
                 <a:cs typeface="Times New Roman" panose="02020603050405020304" pitchFamily="18" charset="0"/>
               </a:rPr>
-              <a:t>Adrea D’Alessio – 2208280</a:t>
+              <a:t>D’Alessio – 2208280</a:t>
             </a:r>
           </a:p>
           <a:p>
@@ -6957,7 +6966,7 @@
           <p:nvPr>
             <p:extLst>
               <p:ext uri="{D42A27DB-BD31-4B8C-83A1-F6EECF244321}">
-                <p14:modId xmlns:p14="http://schemas.microsoft.com/office/powerpoint/2010/main" val="1822174081"/>
+                <p14:modId xmlns:p14="http://schemas.microsoft.com/office/powerpoint/2010/main" val="4176630390"/>
               </p:ext>
             </p:extLst>
           </p:nvPr>
@@ -7003,10 +7012,9 @@
                     <a:p>
                       <a:pPr algn="ctr"/>
                       <a:r>
-                        <a:rPr lang="en-US"/>
+                        <a:rPr lang="en-US" dirty="0"/>
                         <a:t>Avg Plate Accuracy (Exact Match)</a:t>
                       </a:r>
-                      <a:endParaRPr lang="en-US" dirty="0"/>
                     </a:p>
                   </a:txBody>
                   <a:tcPr/>
@@ -7018,10 +7026,13 @@
                     <a:p>
                       <a:pPr algn="ctr"/>
                       <a:r>
-                        <a:rPr lang="en-US"/>
-                        <a:t>Levenshtein Score Ratio</a:t>
+                        <a:rPr lang="en-US" dirty="0" err="1"/>
+                        <a:t>Levenshtein</a:t>
                       </a:r>
-                      <a:endParaRPr lang="en-US" dirty="0"/>
+                      <a:r>
+                        <a:rPr lang="en-US" dirty="0"/>
+                        <a:t> Score Ratio</a:t>
+                      </a:r>
                     </a:p>
                   </a:txBody>
                   <a:tcPr/>
@@ -7033,10 +7044,9 @@
                     <a:p>
                       <a:pPr algn="ctr"/>
                       <a:r>
-                        <a:rPr lang="en-US"/>
+                        <a:rPr lang="en-US" dirty="0"/>
                         <a:t>Character Accuracy</a:t>
                       </a:r>
-                      <a:endParaRPr lang="en-US" dirty="0"/>
                     </a:p>
                   </a:txBody>
                   <a:tcPr/>
@@ -7055,18 +7065,9 @@
                     <a:p>
                       <a:pPr algn="ctr"/>
                       <a:r>
-                        <a:rPr lang="en-GB" sz="1800" b="0" i="0" kern="1200">
-                          <a:solidFill>
-                            <a:schemeClr val="dk1"/>
-                          </a:solidFill>
-                          <a:effectLst/>
-                          <a:latin typeface="+mn-lt"/>
-                          <a:ea typeface="+mn-ea"/>
-                          <a:cs typeface="+mn-cs"/>
-                        </a:rPr>
-                        <a:t>0.85054</a:t>
+                        <a:rPr lang="en-US" dirty="0"/>
+                        <a:t>0.8505</a:t>
                       </a:r>
-                      <a:endParaRPr lang="en-US" dirty="0"/>
                     </a:p>
                   </a:txBody>
                   <a:tcPr/>
@@ -7078,18 +7079,9 @@
                     <a:p>
                       <a:pPr algn="ctr"/>
                       <a:r>
-                        <a:rPr lang="en-GB" sz="1800" b="0" i="0" kern="1200">
-                          <a:solidFill>
-                            <a:schemeClr val="dk1"/>
-                          </a:solidFill>
-                          <a:effectLst/>
-                          <a:latin typeface="+mn-lt"/>
-                          <a:ea typeface="+mn-ea"/>
-                          <a:cs typeface="+mn-cs"/>
-                        </a:rPr>
-                        <a:t>0.98601</a:t>
+                        <a:rPr lang="en-US" dirty="0"/>
+                        <a:t>0.9860</a:t>
                       </a:r>
-                      <a:endParaRPr lang="en-US" dirty="0"/>
                     </a:p>
                   </a:txBody>
                   <a:tcPr/>
@@ -7101,18 +7093,9 @@
                     <a:p>
                       <a:pPr algn="ctr"/>
                       <a:r>
-                        <a:rPr lang="en-GB" sz="1800" b="0" i="0" kern="1200" dirty="0">
-                          <a:solidFill>
-                            <a:schemeClr val="dk1"/>
-                          </a:solidFill>
-                          <a:effectLst/>
-                          <a:latin typeface="+mn-lt"/>
-                          <a:ea typeface="+mn-ea"/>
-                          <a:cs typeface="+mn-cs"/>
-                        </a:rPr>
-                        <a:t>0.95521</a:t>
+                        <a:rPr lang="en-US" dirty="0"/>
+                        <a:t>0.9552</a:t>
                       </a:r>
-                      <a:endParaRPr lang="en-US" dirty="0"/>
                     </a:p>
                   </a:txBody>
                   <a:tcPr/>
@@ -7129,10 +7112,10 @@
       </p:graphicFrame>
       <p:pic>
         <p:nvPicPr>
-          <p:cNvPr id="8" name="Picture 7">
+          <p:cNvPr id="7" name="Picture 6">
             <a:extLst>
               <a:ext uri="{FF2B5EF4-FFF2-40B4-BE49-F238E27FC236}">
-                <a16:creationId xmlns:a16="http://schemas.microsoft.com/office/drawing/2014/main" id="{F51392B4-57EB-6EC6-D041-8ADEDCD1CE54}"/>
+                <a16:creationId xmlns:a16="http://schemas.microsoft.com/office/drawing/2014/main" id="{742AD9D0-D74B-2A11-7944-6616A89BC35C}"/>
               </a:ext>
             </a:extLst>
           </p:cNvPr>
@@ -7149,38 +7132,8 @@
         </p:blipFill>
         <p:spPr>
           <a:xfrm>
-            <a:off x="1097280" y="3940677"/>
-            <a:ext cx="3238500" cy="1295400"/>
-          </a:xfrm>
-          <a:prstGeom prst="rect">
-            <a:avLst/>
-          </a:prstGeom>
-        </p:spPr>
-      </p:pic>
-      <p:pic>
-        <p:nvPicPr>
-          <p:cNvPr id="10" name="Picture 9">
-            <a:extLst>
-              <a:ext uri="{FF2B5EF4-FFF2-40B4-BE49-F238E27FC236}">
-                <a16:creationId xmlns:a16="http://schemas.microsoft.com/office/drawing/2014/main" id="{BC1340A1-B4D4-694D-1B58-A7FABBE0C54F}"/>
-              </a:ext>
-            </a:extLst>
-          </p:cNvPr>
-          <p:cNvPicPr>
-            <a:picLocks noChangeAspect="1"/>
-          </p:cNvPicPr>
-          <p:nvPr/>
-        </p:nvPicPr>
-        <p:blipFill>
-          <a:blip r:embed="rId3"/>
-          <a:stretch>
-            <a:fillRect/>
-          </a:stretch>
-        </p:blipFill>
-        <p:spPr>
-          <a:xfrm>
-            <a:off x="8220359" y="4129808"/>
-            <a:ext cx="2935321" cy="1295400"/>
+            <a:off x="3967859" y="3673950"/>
+            <a:ext cx="3661503" cy="1010920"/>
           </a:xfrm>
           <a:prstGeom prst="rect">
             <a:avLst/>
@@ -7727,7 +7680,12 @@
             <p:ph idx="1"/>
           </p:nvPr>
         </p:nvSpPr>
-        <p:spPr/>
+        <p:spPr>
+          <a:xfrm>
+            <a:off x="1097280" y="1253207"/>
+            <a:ext cx="10058400" cy="4023360"/>
+          </a:xfrm>
+        </p:spPr>
         <p:txBody>
           <a:bodyPr/>
           <a:lstStyle/>
@@ -7785,155 +7743,6 @@
           </a:p>
         </p:txBody>
       </p:sp>
-      <p:graphicFrame>
-        <p:nvGraphicFramePr>
-          <p:cNvPr id="5" name="Table 4">
-            <a:extLst>
-              <a:ext uri="{FF2B5EF4-FFF2-40B4-BE49-F238E27FC236}">
-                <a16:creationId xmlns:a16="http://schemas.microsoft.com/office/drawing/2014/main" id="{1558FDAF-CE44-274D-7410-717484004544}"/>
-              </a:ext>
-            </a:extLst>
-          </p:cNvPr>
-          <p:cNvGraphicFramePr>
-            <a:graphicFrameLocks noGrp="1"/>
-          </p:cNvGraphicFramePr>
-          <p:nvPr>
-            <p:extLst>
-              <p:ext uri="{D42A27DB-BD31-4B8C-83A1-F6EECF244321}">
-                <p14:modId xmlns:p14="http://schemas.microsoft.com/office/powerpoint/2010/main" val="733817159"/>
-              </p:ext>
-            </p:extLst>
-          </p:nvPr>
-        </p:nvGraphicFramePr>
-        <p:xfrm>
-          <a:off x="2600960" y="3513666"/>
-          <a:ext cx="6990080" cy="741680"/>
-        </p:xfrm>
-        <a:graphic>
-          <a:graphicData uri="http://schemas.openxmlformats.org/drawingml/2006/table">
-            <a:tbl>
-              <a:tblPr firstRow="1" bandRow="1">
-                <a:tableStyleId>{5C22544A-7EE6-4342-B048-85BDC9FD1C3A}</a:tableStyleId>
-              </a:tblPr>
-              <a:tblGrid>
-                <a:gridCol w="1844034">
-                  <a:extLst>
-                    <a:ext uri="{9D8B030D-6E8A-4147-A177-3AD203B41FA5}">
-                      <a16:colId xmlns:a16="http://schemas.microsoft.com/office/drawing/2014/main" val="571682311"/>
-                    </a:ext>
-                  </a:extLst>
-                </a:gridCol>
-                <a:gridCol w="2573023">
-                  <a:extLst>
-                    <a:ext uri="{9D8B030D-6E8A-4147-A177-3AD203B41FA5}">
-                      <a16:colId xmlns:a16="http://schemas.microsoft.com/office/drawing/2014/main" val="2205158460"/>
-                    </a:ext>
-                  </a:extLst>
-                </a:gridCol>
-                <a:gridCol w="2573023">
-                  <a:extLst>
-                    <a:ext uri="{9D8B030D-6E8A-4147-A177-3AD203B41FA5}">
-                      <a16:colId xmlns:a16="http://schemas.microsoft.com/office/drawing/2014/main" val="2864456254"/>
-                    </a:ext>
-                  </a:extLst>
-                </a:gridCol>
-              </a:tblGrid>
-              <a:tr h="370840">
-                <a:tc>
-                  <a:txBody>
-                    <a:bodyPr/>
-                    <a:lstStyle/>
-                    <a:p>
-                      <a:r>
-                        <a:rPr lang="en-US" dirty="0"/>
-                        <a:t>Loss</a:t>
-                      </a:r>
-                    </a:p>
-                  </a:txBody>
-                  <a:tcPr/>
-                </a:tc>
-                <a:tc>
-                  <a:txBody>
-                    <a:bodyPr/>
-                    <a:lstStyle/>
-                    <a:p>
-                      <a:r>
-                        <a:rPr lang="en-US" dirty="0"/>
-                        <a:t>Training</a:t>
-                      </a:r>
-                    </a:p>
-                  </a:txBody>
-                  <a:tcPr/>
-                </a:tc>
-                <a:tc>
-                  <a:txBody>
-                    <a:bodyPr/>
-                    <a:lstStyle/>
-                    <a:p>
-                      <a:r>
-                        <a:rPr lang="en-US" dirty="0"/>
-                        <a:t>Validation</a:t>
-                      </a:r>
-                    </a:p>
-                  </a:txBody>
-                  <a:tcPr/>
-                </a:tc>
-                <a:extLst>
-                  <a:ext uri="{0D108BD9-81ED-4DB2-BD59-A6C34878D82A}">
-                    <a16:rowId xmlns:a16="http://schemas.microsoft.com/office/drawing/2014/main" val="18172851"/>
-                  </a:ext>
-                </a:extLst>
-              </a:tr>
-              <a:tr h="370840">
-                <a:tc>
-                  <a:txBody>
-                    <a:bodyPr/>
-                    <a:lstStyle/>
-                    <a:p>
-                      <a:r>
-                        <a:rPr lang="en-US" dirty="0"/>
-                        <a:t>Epoch 5</a:t>
-                      </a:r>
-                    </a:p>
-                  </a:txBody>
-                  <a:tcPr/>
-                </a:tc>
-                <a:tc>
-                  <a:txBody>
-                    <a:bodyPr/>
-                    <a:lstStyle/>
-                    <a:p>
-                      <a:r>
-                        <a:rPr lang="en-US" dirty="0"/>
-                        <a:t>0.0290</a:t>
-                      </a:r>
-                    </a:p>
-                  </a:txBody>
-                  <a:tcPr/>
-                </a:tc>
-                <a:tc>
-                  <a:txBody>
-                    <a:bodyPr/>
-                    <a:lstStyle/>
-                    <a:p>
-                      <a:r>
-                        <a:rPr lang="en-US" dirty="0"/>
-                        <a:t>0.1055</a:t>
-                      </a:r>
-                    </a:p>
-                  </a:txBody>
-                  <a:tcPr/>
-                </a:tc>
-                <a:extLst>
-                  <a:ext uri="{0D108BD9-81ED-4DB2-BD59-A6C34878D82A}">
-                    <a16:rowId xmlns:a16="http://schemas.microsoft.com/office/drawing/2014/main" val="2075406927"/>
-                  </a:ext>
-                </a:extLst>
-              </a:tr>
-            </a:tbl>
-          </a:graphicData>
-        </a:graphic>
-      </p:graphicFrame>
       <p:pic>
         <p:nvPicPr>
           <p:cNvPr id="7" name="Picture 6">
@@ -7956,8 +7765,8 @@
         </p:blipFill>
         <p:spPr>
           <a:xfrm>
-            <a:off x="1463444" y="4511609"/>
-            <a:ext cx="3718560" cy="1742182"/>
+            <a:off x="7489859" y="2949937"/>
+            <a:ext cx="3291559" cy="1542128"/>
           </a:xfrm>
           <a:prstGeom prst="rect">
             <a:avLst/>
@@ -7986,8 +7795,38 @@
         </p:blipFill>
         <p:spPr>
           <a:xfrm>
-            <a:off x="7009997" y="4658280"/>
+            <a:off x="7641574" y="4650347"/>
             <a:ext cx="3139844" cy="1595743"/>
+          </a:xfrm>
+          <a:prstGeom prst="rect">
+            <a:avLst/>
+          </a:prstGeom>
+        </p:spPr>
+      </p:pic>
+      <p:pic>
+        <p:nvPicPr>
+          <p:cNvPr id="6" name="Immagine 5">
+            <a:extLst>
+              <a:ext uri="{FF2B5EF4-FFF2-40B4-BE49-F238E27FC236}">
+                <a16:creationId xmlns:a16="http://schemas.microsoft.com/office/drawing/2014/main" id="{FB82DBBF-0849-6AE5-9B0D-74AD90DA1965}"/>
+              </a:ext>
+            </a:extLst>
+          </p:cNvPr>
+          <p:cNvPicPr>
+            <a:picLocks noChangeAspect="1"/>
+          </p:cNvPicPr>
+          <p:nvPr/>
+        </p:nvPicPr>
+        <p:blipFill>
+          <a:blip r:embed="rId5"/>
+          <a:stretch>
+            <a:fillRect/>
+          </a:stretch>
+        </p:blipFill>
+        <p:spPr>
+          <a:xfrm>
+            <a:off x="1783916" y="2803754"/>
+            <a:ext cx="4850132" cy="3376623"/>
           </a:xfrm>
           <a:prstGeom prst="rect">
             <a:avLst/>
@@ -8068,48 +7907,65 @@
             <p:ph idx="1"/>
           </p:nvPr>
         </p:nvSpPr>
-        <p:spPr/>
+        <p:spPr>
+          <a:xfrm>
+            <a:off x="1097280" y="1401848"/>
+            <a:ext cx="10058400" cy="4023360"/>
+          </a:xfrm>
+        </p:spPr>
         <p:txBody>
           <a:bodyPr/>
           <a:lstStyle/>
           <a:p>
             <a:r>
-              <a:rPr lang="en-US" dirty="0"/>
-              <a:t>PDLPR: Focus model</a:t>
+              <a:rPr lang="en-US"/>
+              <a:t>For the PDLPR model, the hyperparameters used are taken from the best results obtained for the original PDLPR implementation in the paper [3].</a:t>
+            </a:r>
+          </a:p>
+          <a:p>
+            <a:r>
+              <a:rPr lang="en-US"/>
+              <a:t>Further tests have been carried out for the baselines and the definitive model:</a:t>
             </a:r>
           </a:p>
           <a:p>
             <a:pPr lvl="1"/>
             <a:r>
-              <a:rPr lang="en-US" dirty="0"/>
-              <a:t>IGFE</a:t>
+              <a:rPr lang="en-US"/>
+              <a:t>Baseline recognition model: Custom (small) holistic CNN vs big pretrained backbone + decoder</a:t>
             </a:r>
           </a:p>
           <a:p>
             <a:pPr lvl="1"/>
             <a:r>
-              <a:rPr lang="en-US" dirty="0"/>
-              <a:t>IGFE + </a:t>
-            </a:r>
-            <a:r>
-              <a:rPr lang="en-US" dirty="0" err="1"/>
-              <a:t>ConvDownSampling</a:t>
-            </a:r>
+              <a:rPr lang="en-US"/>
+              <a:t>Impact of data processing</a:t>
+            </a:r>
+          </a:p>
+          <a:p>
+            <a:pPr lvl="1"/>
+            <a:r>
+              <a:rPr lang="en-US"/>
+              <a:t>PDLPR: End-to-end training vs Two-step training</a:t>
+            </a:r>
+          </a:p>
+          <a:p>
+            <a:pPr marL="0" indent="0">
+              <a:buNone/>
+            </a:pPr>
+            <a:endParaRPr lang="en-US"/>
+          </a:p>
+          <a:p>
+            <a:pPr marL="0" indent="0">
+              <a:buNone/>
+            </a:pPr>
+            <a:endParaRPr lang="en-US"/>
+          </a:p>
+          <a:p>
+            <a:pPr marL="0" indent="0">
+              <a:buNone/>
+            </a:pPr>
             <a:endParaRPr lang="en-US" dirty="0"/>
-          </a:p>
-          <a:p>
-            <a:pPr lvl="1"/>
-            <a:r>
-              <a:rPr lang="en-US" dirty="0"/>
-              <a:t>IGFE + Focus structure</a:t>
-            </a:r>
-          </a:p>
-          <a:p>
-            <a:pPr lvl="1"/>
-            <a:r>
-              <a:rPr lang="en-US" dirty="0"/>
-              <a:t>IGFE + both structure</a:t>
-            </a:r>
           </a:p>
           <a:p>
             <a:pPr lvl="1"/>
@@ -8143,294 +7999,6 @@
               <a:t>16</a:t>
             </a:fld>
             <a:endParaRPr lang="en-US"/>
-          </a:p>
-        </p:txBody>
-      </p:sp>
-      <p:graphicFrame>
-        <p:nvGraphicFramePr>
-          <p:cNvPr id="5" name="Table 4">
-            <a:extLst>
-              <a:ext uri="{FF2B5EF4-FFF2-40B4-BE49-F238E27FC236}">
-                <a16:creationId xmlns:a16="http://schemas.microsoft.com/office/drawing/2014/main" id="{3AC602CA-0421-846D-5BE1-805979701A7C}"/>
-              </a:ext>
-            </a:extLst>
-          </p:cNvPr>
-          <p:cNvGraphicFramePr>
-            <a:graphicFrameLocks noGrp="1"/>
-          </p:cNvGraphicFramePr>
-          <p:nvPr>
-            <p:extLst>
-              <p:ext uri="{D42A27DB-BD31-4B8C-83A1-F6EECF244321}">
-                <p14:modId xmlns:p14="http://schemas.microsoft.com/office/powerpoint/2010/main" val="4024531533"/>
-              </p:ext>
-            </p:extLst>
-          </p:nvPr>
-        </p:nvGraphicFramePr>
-        <p:xfrm>
-          <a:off x="4104640" y="3269990"/>
-          <a:ext cx="7985760" cy="2387880"/>
-        </p:xfrm>
-        <a:graphic>
-          <a:graphicData uri="http://schemas.openxmlformats.org/drawingml/2006/table">
-            <a:tbl>
-              <a:tblPr firstRow="1" bandRow="1">
-                <a:tableStyleId>{5C22544A-7EE6-4342-B048-85BDC9FD1C3A}</a:tableStyleId>
-              </a:tblPr>
-              <a:tblGrid>
-                <a:gridCol w="3992880">
-                  <a:extLst>
-                    <a:ext uri="{9D8B030D-6E8A-4147-A177-3AD203B41FA5}">
-                      <a16:colId xmlns:a16="http://schemas.microsoft.com/office/drawing/2014/main" val="1459096174"/>
-                    </a:ext>
-                  </a:extLst>
-                </a:gridCol>
-                <a:gridCol w="3992880">
-                  <a:extLst>
-                    <a:ext uri="{9D8B030D-6E8A-4147-A177-3AD203B41FA5}">
-                      <a16:colId xmlns:a16="http://schemas.microsoft.com/office/drawing/2014/main" val="3946582209"/>
-                    </a:ext>
-                  </a:extLst>
-                </a:gridCol>
-              </a:tblGrid>
-              <a:tr h="404424">
-                <a:tc>
-                  <a:txBody>
-                    <a:bodyPr/>
-                    <a:lstStyle/>
-                    <a:p>
-                      <a:r>
-                        <a:rPr lang="en-US" dirty="0"/>
-                        <a:t>Models</a:t>
-                      </a:r>
-                    </a:p>
-                  </a:txBody>
-                  <a:tcPr/>
-                </a:tc>
-                <a:tc>
-                  <a:txBody>
-                    <a:bodyPr/>
-                    <a:lstStyle/>
-                    <a:p>
-                      <a:r>
-                        <a:rPr lang="en-US" dirty="0"/>
-                        <a:t>Accuracy (%)</a:t>
-                      </a:r>
-                    </a:p>
-                  </a:txBody>
-                  <a:tcPr/>
-                </a:tc>
-                <a:extLst>
-                  <a:ext uri="{0D108BD9-81ED-4DB2-BD59-A6C34878D82A}">
-                    <a16:rowId xmlns:a16="http://schemas.microsoft.com/office/drawing/2014/main" val="24626043"/>
-                  </a:ext>
-                </a:extLst>
-              </a:tr>
-              <a:tr h="0">
-                <a:tc>
-                  <a:txBody>
-                    <a:bodyPr/>
-                    <a:lstStyle/>
-                    <a:p>
-                      <a:r>
-                        <a:rPr lang="en-US" dirty="0"/>
-                        <a:t>IGFE</a:t>
-                      </a:r>
-                    </a:p>
-                  </a:txBody>
-                  <a:tcPr/>
-                </a:tc>
-                <a:tc>
-                  <a:txBody>
-                    <a:bodyPr/>
-                    <a:lstStyle/>
-                    <a:p>
-                      <a:r>
-                        <a:rPr lang="en-US" dirty="0"/>
-                        <a:t>96.6</a:t>
-                      </a:r>
-                    </a:p>
-                  </a:txBody>
-                  <a:tcPr/>
-                </a:tc>
-                <a:extLst>
-                  <a:ext uri="{0D108BD9-81ED-4DB2-BD59-A6C34878D82A}">
-                    <a16:rowId xmlns:a16="http://schemas.microsoft.com/office/drawing/2014/main" val="827298751"/>
-                  </a:ext>
-                </a:extLst>
-              </a:tr>
-              <a:tr h="404424">
-                <a:tc>
-                  <a:txBody>
-                    <a:bodyPr/>
-                    <a:lstStyle/>
-                    <a:p>
-                      <a:r>
-                        <a:rPr lang="en-US" dirty="0"/>
-                        <a:t>IGFE + </a:t>
-                      </a:r>
-                      <a:r>
-                        <a:rPr lang="en-US" dirty="0" err="1"/>
-                        <a:t>ConvDownSampling</a:t>
-                      </a:r>
-                      <a:endParaRPr lang="en-US" dirty="0"/>
-                    </a:p>
-                  </a:txBody>
-                  <a:tcPr/>
-                </a:tc>
-                <a:tc>
-                  <a:txBody>
-                    <a:bodyPr/>
-                    <a:lstStyle/>
-                    <a:p>
-                      <a:r>
-                        <a:rPr lang="en-US" dirty="0"/>
-                        <a:t>97.0</a:t>
-                      </a:r>
-                    </a:p>
-                  </a:txBody>
-                  <a:tcPr/>
-                </a:tc>
-                <a:extLst>
-                  <a:ext uri="{0D108BD9-81ED-4DB2-BD59-A6C34878D82A}">
-                    <a16:rowId xmlns:a16="http://schemas.microsoft.com/office/drawing/2014/main" val="1851436953"/>
-                  </a:ext>
-                </a:extLst>
-              </a:tr>
-              <a:tr h="404424">
-                <a:tc>
-                  <a:txBody>
-                    <a:bodyPr/>
-                    <a:lstStyle/>
-                    <a:p>
-                      <a:r>
-                        <a:rPr lang="en-US" dirty="0"/>
-                        <a:t>IGFE + Focus structure</a:t>
-                      </a:r>
-                    </a:p>
-                  </a:txBody>
-                  <a:tcPr/>
-                </a:tc>
-                <a:tc>
-                  <a:txBody>
-                    <a:bodyPr/>
-                    <a:lstStyle/>
-                    <a:p>
-                      <a:r>
-                        <a:rPr lang="en-US" dirty="0"/>
-                        <a:t>96.8</a:t>
-                      </a:r>
-                    </a:p>
-                  </a:txBody>
-                  <a:tcPr/>
-                </a:tc>
-                <a:extLst>
-                  <a:ext uri="{0D108BD9-81ED-4DB2-BD59-A6C34878D82A}">
-                    <a16:rowId xmlns:a16="http://schemas.microsoft.com/office/drawing/2014/main" val="4149513761"/>
-                  </a:ext>
-                </a:extLst>
-              </a:tr>
-              <a:tr h="404424">
-                <a:tc>
-                  <a:txBody>
-                    <a:bodyPr/>
-                    <a:lstStyle/>
-                    <a:p>
-                      <a:r>
-                        <a:rPr lang="en-US" dirty="0"/>
-                        <a:t>IGFE + both structure</a:t>
-                      </a:r>
-                    </a:p>
-                  </a:txBody>
-                  <a:tcPr/>
-                </a:tc>
-                <a:tc>
-                  <a:txBody>
-                    <a:bodyPr/>
-                    <a:lstStyle/>
-                    <a:p>
-                      <a:r>
-                        <a:rPr lang="en-US" dirty="0"/>
-                        <a:t>98.3</a:t>
-                      </a:r>
-                    </a:p>
-                  </a:txBody>
-                  <a:tcPr/>
-                </a:tc>
-                <a:extLst>
-                  <a:ext uri="{0D108BD9-81ED-4DB2-BD59-A6C34878D82A}">
-                    <a16:rowId xmlns:a16="http://schemas.microsoft.com/office/drawing/2014/main" val="2734724170"/>
-                  </a:ext>
-                </a:extLst>
-              </a:tr>
-              <a:tr h="404424">
-                <a:tc>
-                  <a:txBody>
-                    <a:bodyPr/>
-                    <a:lstStyle/>
-                    <a:p>
-                      <a:r>
-                        <a:rPr lang="en-US" dirty="0"/>
-                        <a:t>ResNet-18</a:t>
-                      </a:r>
-                    </a:p>
-                  </a:txBody>
-                  <a:tcPr/>
-                </a:tc>
-                <a:tc>
-                  <a:txBody>
-                    <a:bodyPr/>
-                    <a:lstStyle/>
-                    <a:p>
-                      <a:r>
-                        <a:rPr lang="en-US" dirty="0"/>
-                        <a:t>97.7</a:t>
-                      </a:r>
-                    </a:p>
-                  </a:txBody>
-                  <a:tcPr/>
-                </a:tc>
-                <a:extLst>
-                  <a:ext uri="{0D108BD9-81ED-4DB2-BD59-A6C34878D82A}">
-                    <a16:rowId xmlns:a16="http://schemas.microsoft.com/office/drawing/2014/main" val="2386639555"/>
-                  </a:ext>
-                </a:extLst>
-              </a:tr>
-            </a:tbl>
-          </a:graphicData>
-        </a:graphic>
-      </p:graphicFrame>
-      <p:sp>
-        <p:nvSpPr>
-          <p:cNvPr id="8" name="TextBox 7">
-            <a:extLst>
-              <a:ext uri="{FF2B5EF4-FFF2-40B4-BE49-F238E27FC236}">
-                <a16:creationId xmlns:a16="http://schemas.microsoft.com/office/drawing/2014/main" id="{BA41D6F9-2E58-3406-9B97-F20E9170520A}"/>
-              </a:ext>
-            </a:extLst>
-          </p:cNvPr>
-          <p:cNvSpPr txBox="1"/>
-          <p:nvPr/>
-        </p:nvSpPr>
-        <p:spPr>
-          <a:xfrm>
-            <a:off x="990600" y="5741336"/>
-            <a:ext cx="10271760" cy="646331"/>
-          </a:xfrm>
-          <a:prstGeom prst="rect">
-            <a:avLst/>
-          </a:prstGeom>
-          <a:noFill/>
-        </p:spPr>
-        <p:txBody>
-          <a:bodyPr wrap="square" rtlCol="0">
-            <a:spAutoFit/>
-          </a:bodyPr>
-          <a:lstStyle/>
-          <a:p>
-            <a:r>
-              <a:rPr lang="en-US" dirty="0"/>
-              <a:t>Tao, L., Hong, S., Lin, Y., Chen, Y., He, P. and Tie, Z. (2024). A Real-Time License Plate Detection and Recognition Model in Unconstrained Scenarios. Sensors, 24(9), 2791</a:t>
-            </a:r>
           </a:p>
         </p:txBody>
       </p:sp>
@@ -8520,16 +8088,10 @@
           <a:lstStyle/>
           <a:p>
             <a:r>
-              <a:rPr lang="en-US" dirty="0"/>
-              <a:t>PDLPR: Decoder</a:t>
-            </a:r>
-          </a:p>
-          <a:p>
-            <a:pPr lvl="1"/>
-            <a:r>
-              <a:rPr lang="en-US" dirty="0"/>
-              <a:t>Choose of decoder types: The paper tested different types of decoder.</a:t>
-            </a:r>
+              <a:rPr lang="en-US"/>
+              <a:t>Baseline recognition model: Custom (small) holistic CNN vs big pretrained backbone + decoder</a:t>
+            </a:r>
+            <a:endParaRPr lang="en-US" dirty="0"/>
           </a:p>
           <a:p>
             <a:pPr marL="201168" lvl="1" indent="0">
@@ -8583,14 +8145,14 @@
           <p:nvPr>
             <p:extLst>
               <p:ext uri="{D42A27DB-BD31-4B8C-83A1-F6EECF244321}">
-                <p14:modId xmlns:p14="http://schemas.microsoft.com/office/powerpoint/2010/main" val="1958535519"/>
+                <p14:modId xmlns:p14="http://schemas.microsoft.com/office/powerpoint/2010/main" val="450048695"/>
               </p:ext>
             </p:extLst>
           </p:nvPr>
         </p:nvGraphicFramePr>
         <p:xfrm>
-          <a:off x="2062480" y="3097106"/>
-          <a:ext cx="8128000" cy="1854200"/>
+          <a:off x="779123" y="2545355"/>
+          <a:ext cx="10633754" cy="3112515"/>
         </p:xfrm>
         <a:graphic>
           <a:graphicData uri="http://schemas.openxmlformats.org/drawingml/2006/table">
@@ -8599,14 +8161,14 @@
                 <a:tableStyleId>{5C22544A-7EE6-4342-B048-85BDC9FD1C3A}</a:tableStyleId>
               </a:tblPr>
               <a:tblGrid>
-                <a:gridCol w="4064000">
+                <a:gridCol w="5316877">
                   <a:extLst>
                     <a:ext uri="{9D8B030D-6E8A-4147-A177-3AD203B41FA5}">
                       <a16:colId xmlns:a16="http://schemas.microsoft.com/office/drawing/2014/main" val="182311034"/>
                     </a:ext>
                   </a:extLst>
                 </a:gridCol>
-                <a:gridCol w="4064000">
+                <a:gridCol w="5316877">
                   <a:extLst>
                     <a:ext uri="{9D8B030D-6E8A-4147-A177-3AD203B41FA5}">
                       <a16:colId xmlns:a16="http://schemas.microsoft.com/office/drawing/2014/main" val="3966240308"/>
@@ -8614,16 +8176,17 @@
                   </a:extLst>
                 </a:gridCol>
               </a:tblGrid>
-              <a:tr h="370840">
+              <a:tr h="610785">
                 <a:tc>
                   <a:txBody>
                     <a:bodyPr/>
                     <a:lstStyle/>
                     <a:p>
                       <a:r>
-                        <a:rPr lang="en-US" dirty="0"/>
-                        <a:t>Decoder</a:t>
+                        <a:rPr lang="en-US"/>
+                        <a:t>Type of backbone</a:t>
                       </a:r>
+                      <a:endParaRPr lang="en-US" dirty="0"/>
                     </a:p>
                   </a:txBody>
                   <a:tcPr/>
@@ -8634,9 +8197,10 @@
                     <a:lstStyle/>
                     <a:p>
                       <a:r>
-                        <a:rPr lang="en-US" dirty="0"/>
-                        <a:t>Challenge accuracy (%)</a:t>
+                        <a:rPr lang="en-US"/>
+                        <a:t>Accuracy (%)**</a:t>
                       </a:r>
+                      <a:endParaRPr lang="en-US" dirty="0"/>
                     </a:p>
                   </a:txBody>
                   <a:tcPr/>
@@ -8647,16 +8211,17 @@
                   </a:ext>
                 </a:extLst>
               </a:tr>
-              <a:tr h="370840">
+              <a:tr h="610785">
                 <a:tc>
                   <a:txBody>
                     <a:bodyPr/>
                     <a:lstStyle/>
                     <a:p>
                       <a:r>
-                        <a:rPr lang="en-US" dirty="0"/>
-                        <a:t>Linear</a:t>
+                        <a:rPr lang="en-US"/>
+                        <a:t>Custom holistic CNN (3 CNN+MaxPool blocks, one AvgPool on the height dimension to reduce dim to 1)</a:t>
                       </a:r>
+                      <a:endParaRPr lang="en-US" dirty="0"/>
                     </a:p>
                   </a:txBody>
                   <a:tcPr/>
@@ -8667,9 +8232,10 @@
                     <a:lstStyle/>
                     <a:p>
                       <a:r>
-                        <a:rPr lang="en-US" dirty="0"/>
-                        <a:t>70.1</a:t>
+                        <a:rPr lang="en-US"/>
+                        <a:t>0.9</a:t>
                       </a:r>
+                      <a:endParaRPr lang="en-US" dirty="0"/>
                     </a:p>
                   </a:txBody>
                   <a:tcPr/>
@@ -8680,16 +8246,17 @@
                   </a:ext>
                 </a:extLst>
               </a:tr>
-              <a:tr h="370840">
+              <a:tr h="610785">
                 <a:tc>
                   <a:txBody>
                     <a:bodyPr/>
                     <a:lstStyle/>
                     <a:p>
                       <a:r>
-                        <a:rPr lang="en-US" dirty="0"/>
-                        <a:t>LSTM</a:t>
+                        <a:rPr lang="en-US"/>
+                        <a:t>H-Word Net*</a:t>
                       </a:r>
+                      <a:endParaRPr lang="en-US" dirty="0"/>
                     </a:p>
                   </a:txBody>
                   <a:tcPr/>
@@ -8700,9 +8267,10 @@
                     <a:lstStyle/>
                     <a:p>
                       <a:r>
-                        <a:rPr lang="en-US" dirty="0"/>
-                        <a:t>90.3</a:t>
+                        <a:rPr lang="en-US"/>
+                        <a:t>15.2</a:t>
                       </a:r>
+                      <a:endParaRPr lang="en-US" dirty="0"/>
                     </a:p>
                   </a:txBody>
                   <a:tcPr/>
@@ -8713,16 +8281,17 @@
                   </a:ext>
                 </a:extLst>
               </a:tr>
-              <a:tr h="370840">
+              <a:tr h="610785">
                 <a:tc>
                   <a:txBody>
                     <a:bodyPr/>
                     <a:lstStyle/>
                     <a:p>
                       <a:r>
-                        <a:rPr lang="en-US" dirty="0"/>
-                        <a:t>BILSTM</a:t>
+                        <a:rPr lang="en-US"/>
+                        <a:t>Edited H-Word Net (removed MaxPool layers, used smaller kernels)</a:t>
                       </a:r>
+                      <a:endParaRPr lang="en-US" dirty="0"/>
                     </a:p>
                   </a:txBody>
                   <a:tcPr/>
@@ -8733,9 +8302,10 @@
                     <a:lstStyle/>
                     <a:p>
                       <a:r>
-                        <a:rPr lang="en-US" dirty="0"/>
-                        <a:t>81.9</a:t>
+                        <a:rPr lang="en-US"/>
+                        <a:t>8.3</a:t>
                       </a:r>
+                      <a:endParaRPr lang="en-US" dirty="0"/>
                     </a:p>
                   </a:txBody>
                   <a:tcPr/>
@@ -8746,16 +8316,17 @@
                   </a:ext>
                 </a:extLst>
               </a:tr>
-              <a:tr h="370840">
+              <a:tr h="610785">
                 <a:tc>
                   <a:txBody>
                     <a:bodyPr/>
                     <a:lstStyle/>
                     <a:p>
                       <a:r>
-                        <a:rPr lang="en-US" dirty="0"/>
-                        <a:t>Parallel</a:t>
+                        <a:rPr lang="en-US"/>
+                        <a:t>MobileNet v3 Large (pretrained. Fine-tuned on CCPD)</a:t>
                       </a:r>
+                      <a:endParaRPr lang="en-US" dirty="0"/>
                     </a:p>
                   </a:txBody>
                   <a:tcPr/>
@@ -8766,9 +8337,10 @@
                     <a:lstStyle/>
                     <a:p>
                       <a:r>
-                        <a:rPr lang="en-US" dirty="0"/>
-                        <a:t>94.4</a:t>
+                        <a:rPr lang="en-US"/>
+                        <a:t>82.5 (if taking the IoU threshold into account, 60.5)</a:t>
                       </a:r>
+                      <a:endParaRPr lang="en-US" dirty="0"/>
                     </a:p>
                   </a:txBody>
                   <a:tcPr/>
@@ -8797,8 +8369,8 @@
         </p:nvSpPr>
         <p:spPr>
           <a:xfrm>
-            <a:off x="990600" y="5741336"/>
-            <a:ext cx="10271760" cy="646331"/>
+            <a:off x="342472" y="5716461"/>
+            <a:ext cx="11507056" cy="646331"/>
           </a:xfrm>
           <a:prstGeom prst="rect">
             <a:avLst/>
@@ -8812,9 +8384,16 @@
           <a:lstStyle/>
           <a:p>
             <a:r>
-              <a:rPr lang="en-US" dirty="0"/>
-              <a:t>Tao, L., Hong, S., Lin, Y., Chen, Y., He, P. and Tie, Z. (2024). A Real-Time License Plate Detection and Recognition Model in Unconstrained Scenarios. Sensors, 24(9), 2791</a:t>
-            </a:r>
+              <a:rPr lang="en-US"/>
+              <a:t>*H-WordNet: A Holistic Convolutional Neural Network Approach for Handwritten Word Recognition, Dibyasundar et al.</a:t>
+            </a:r>
+          </a:p>
+          <a:p>
+            <a:r>
+              <a:rPr lang="en-US"/>
+              <a:t>** Ignoring the IoU threshold included in the validation/test code. Same number of samples.</a:t>
+            </a:r>
+            <a:endParaRPr lang="en-US" dirty="0"/>
           </a:p>
         </p:txBody>
       </p:sp>
@@ -8892,28 +8471,27 @@
             <p:ph idx="1"/>
           </p:nvPr>
         </p:nvSpPr>
-        <p:spPr/>
+        <p:spPr>
+          <a:xfrm>
+            <a:off x="1097280" y="1265233"/>
+            <a:ext cx="10058400" cy="1588871"/>
+          </a:xfrm>
+        </p:spPr>
         <p:txBody>
           <a:bodyPr/>
           <a:lstStyle/>
           <a:p>
             <a:r>
-              <a:rPr lang="en-US" dirty="0"/>
-              <a:t>PDLPR: Parallel decoder</a:t>
+              <a:rPr lang="en-US"/>
+              <a:t>Impact of data processing:</a:t>
             </a:r>
           </a:p>
           <a:p>
             <a:pPr lvl="1"/>
             <a:r>
-              <a:rPr lang="en-US" dirty="0"/>
-              <a:t>Number of layers: The paper tested different number of layers for the parallel decoder.</a:t>
-            </a:r>
-          </a:p>
-          <a:p>
-            <a:pPr marL="201168" lvl="1" indent="0">
-              <a:buNone/>
-            </a:pPr>
-            <a:endParaRPr lang="en-US" dirty="0"/>
+              <a:rPr lang="en-US"/>
+              <a:t>Conditions: all models trained on base splits (from ccpd-base). Ran the training until optimal performance reached. Tested then on a test dataset with the following distortion included</a:t>
+            </a:r>
           </a:p>
         </p:txBody>
       </p:sp>
@@ -8948,10 +8526,10 @@
       </p:sp>
       <p:graphicFrame>
         <p:nvGraphicFramePr>
-          <p:cNvPr id="5" name="Table 4">
+          <p:cNvPr id="6" name="Table 4">
             <a:extLst>
               <a:ext uri="{FF2B5EF4-FFF2-40B4-BE49-F238E27FC236}">
-                <a16:creationId xmlns:a16="http://schemas.microsoft.com/office/drawing/2014/main" id="{C1E6F7C6-E580-0E41-DFD7-FF38F09A10D8}"/>
+                <a16:creationId xmlns:a16="http://schemas.microsoft.com/office/drawing/2014/main" id="{ACE60094-8FCC-1788-6327-608ECA8553FD}"/>
               </a:ext>
             </a:extLst>
           </p:cNvPr>
@@ -8961,14 +8539,14 @@
           <p:nvPr>
             <p:extLst>
               <p:ext uri="{D42A27DB-BD31-4B8C-83A1-F6EECF244321}">
-                <p14:modId xmlns:p14="http://schemas.microsoft.com/office/powerpoint/2010/main" val="2758997468"/>
+                <p14:modId xmlns:p14="http://schemas.microsoft.com/office/powerpoint/2010/main" val="2079348106"/>
               </p:ext>
             </p:extLst>
           </p:nvPr>
         </p:nvGraphicFramePr>
         <p:xfrm>
-          <a:off x="2062480" y="3097106"/>
-          <a:ext cx="8128000" cy="2225040"/>
+          <a:off x="1127760" y="2854104"/>
+          <a:ext cx="9997440" cy="3355520"/>
         </p:xfrm>
         <a:graphic>
           <a:graphicData uri="http://schemas.openxmlformats.org/drawingml/2006/table">
@@ -8977,14 +8555,14 @@
                 <a:tableStyleId>{5C22544A-7EE6-4342-B048-85BDC9FD1C3A}</a:tableStyleId>
               </a:tblPr>
               <a:tblGrid>
-                <a:gridCol w="4064000">
+                <a:gridCol w="4998720">
                   <a:extLst>
                     <a:ext uri="{9D8B030D-6E8A-4147-A177-3AD203B41FA5}">
                       <a16:colId xmlns:a16="http://schemas.microsoft.com/office/drawing/2014/main" val="182311034"/>
                     </a:ext>
                   </a:extLst>
                 </a:gridCol>
-                <a:gridCol w="4064000">
+                <a:gridCol w="4998720">
                   <a:extLst>
                     <a:ext uri="{9D8B030D-6E8A-4147-A177-3AD203B41FA5}">
                       <a16:colId xmlns:a16="http://schemas.microsoft.com/office/drawing/2014/main" val="3966240308"/>
@@ -8992,16 +8570,17 @@
                   </a:extLst>
                 </a:gridCol>
               </a:tblGrid>
-              <a:tr h="370840">
+              <a:tr h="671104">
                 <a:tc>
                   <a:txBody>
                     <a:bodyPr/>
                     <a:lstStyle/>
                     <a:p>
                       <a:r>
-                        <a:rPr lang="en-US" dirty="0"/>
-                        <a:t>Number of Layers</a:t>
+                        <a:rPr lang="en-US"/>
+                        <a:t>Augmentation implemented</a:t>
                       </a:r>
+                      <a:endParaRPr lang="en-US" dirty="0"/>
                     </a:p>
                   </a:txBody>
                   <a:tcPr/>
@@ -9012,9 +8591,10 @@
                     <a:lstStyle/>
                     <a:p>
                       <a:r>
-                        <a:rPr lang="en-US" dirty="0"/>
-                        <a:t>Challenge accuracy (%)</a:t>
+                        <a:rPr lang="en-US"/>
+                        <a:t>Models that kept showing an accuracy of over 50%:</a:t>
                       </a:r>
+                      <a:endParaRPr lang="en-US" dirty="0"/>
                     </a:p>
                   </a:txBody>
                   <a:tcPr/>
@@ -9025,16 +8605,17 @@
                   </a:ext>
                 </a:extLst>
               </a:tr>
-              <a:tr h="370840">
+              <a:tr h="671104">
                 <a:tc>
                   <a:txBody>
                     <a:bodyPr/>
                     <a:lstStyle/>
                     <a:p>
                       <a:r>
-                        <a:rPr lang="en-US" dirty="0"/>
-                        <a:t>1</a:t>
+                        <a:rPr lang="en-US"/>
+                        <a:t>No augmentation (ccpd-base)</a:t>
                       </a:r>
+                      <a:endParaRPr lang="en-US" dirty="0"/>
                     </a:p>
                   </a:txBody>
                   <a:tcPr/>
@@ -9045,9 +8626,10 @@
                     <a:lstStyle/>
                     <a:p>
                       <a:r>
-                        <a:rPr lang="en-US" dirty="0"/>
-                        <a:t>84.4</a:t>
+                        <a:rPr lang="en-US"/>
+                        <a:t>Both baselines, PDLPR</a:t>
                       </a:r>
+                      <a:endParaRPr lang="en-US" dirty="0"/>
                     </a:p>
                   </a:txBody>
                   <a:tcPr/>
@@ -9058,16 +8640,17 @@
                   </a:ext>
                 </a:extLst>
               </a:tr>
-              <a:tr h="370840">
+              <a:tr h="671104">
                 <a:tc>
                   <a:txBody>
                     <a:bodyPr/>
                     <a:lstStyle/>
                     <a:p>
                       <a:r>
-                        <a:rPr lang="en-US" dirty="0"/>
-                        <a:t>2</a:t>
+                        <a:rPr lang="en-US"/>
+                        <a:t>CCPD-Base + random rotation/color channel jitter/random crop on part of the pictures</a:t>
                       </a:r>
+                      <a:endParaRPr lang="en-US" dirty="0"/>
                     </a:p>
                   </a:txBody>
                   <a:tcPr/>
@@ -9078,9 +8661,10 @@
                     <a:lstStyle/>
                     <a:p>
                       <a:r>
-                        <a:rPr lang="en-US" dirty="0"/>
-                        <a:t>86.4</a:t>
+                        <a:rPr lang="en-US"/>
+                        <a:t>Both baselines, PDLPR</a:t>
                       </a:r>
+                      <a:endParaRPr lang="en-US" dirty="0"/>
                     </a:p>
                   </a:txBody>
                   <a:tcPr/>
@@ -9091,16 +8675,17 @@
                   </a:ext>
                 </a:extLst>
               </a:tr>
-              <a:tr h="370840">
+              <a:tr h="671104">
                 <a:tc>
                   <a:txBody>
                     <a:bodyPr/>
                     <a:lstStyle/>
                     <a:p>
                       <a:r>
-                        <a:rPr lang="en-US" dirty="0"/>
-                        <a:t>3</a:t>
+                        <a:rPr lang="en-US"/>
+                        <a:t>CCPD-Base + all transformed</a:t>
                       </a:r>
+                      <a:endParaRPr lang="en-US" dirty="0"/>
                     </a:p>
                   </a:txBody>
                   <a:tcPr/>
@@ -9111,9 +8696,10 @@
                     <a:lstStyle/>
                     <a:p>
                       <a:r>
-                        <a:rPr lang="en-US" dirty="0"/>
-                        <a:t>94.4</a:t>
+                        <a:rPr lang="en-US"/>
+                        <a:t>Both baselines, PDLPR</a:t>
                       </a:r>
+                      <a:endParaRPr lang="en-US" dirty="0"/>
                     </a:p>
                   </a:txBody>
                   <a:tcPr/>
@@ -9124,16 +8710,17 @@
                   </a:ext>
                 </a:extLst>
               </a:tr>
-              <a:tr h="370840">
+              <a:tr h="671104">
                 <a:tc>
                   <a:txBody>
                     <a:bodyPr/>
                     <a:lstStyle/>
                     <a:p>
                       <a:r>
-                        <a:rPr lang="en-US" dirty="0"/>
-                        <a:t>4</a:t>
+                        <a:rPr lang="en-US"/>
+                        <a:t>CCPD-Base + CCPD modified images (CCPD-blur, etc. etc.)</a:t>
                       </a:r>
+                      <a:endParaRPr lang="en-US" dirty="0"/>
                     </a:p>
                   </a:txBody>
                   <a:tcPr/>
@@ -9144,9 +8731,10 @@
                     <a:lstStyle/>
                     <a:p>
                       <a:r>
-                        <a:rPr lang="en-US" dirty="0"/>
-                        <a:t>91.8</a:t>
+                        <a:rPr lang="en-US"/>
+                        <a:t>PDLPR only (&gt;60% on best epoch)</a:t>
                       </a:r>
+                      <a:endParaRPr lang="en-US" dirty="0"/>
                     </a:p>
                   </a:txBody>
                   <a:tcPr/>
@@ -9157,49 +8745,60 @@
                   </a:ext>
                 </a:extLst>
               </a:tr>
-              <a:tr h="370840">
-                <a:tc>
-                  <a:txBody>
-                    <a:bodyPr/>
-                    <a:lstStyle/>
-                    <a:p>
-                      <a:r>
-                        <a:rPr lang="en-US" dirty="0"/>
-                        <a:t>5</a:t>
-                      </a:r>
-                    </a:p>
-                  </a:txBody>
-                  <a:tcPr/>
-                </a:tc>
-                <a:tc>
-                  <a:txBody>
-                    <a:bodyPr/>
-                    <a:lstStyle/>
-                    <a:p>
-                      <a:r>
-                        <a:rPr lang="en-US" dirty="0"/>
-                        <a:t>91.0</a:t>
-                      </a:r>
-                    </a:p>
-                  </a:txBody>
-                  <a:tcPr/>
-                </a:tc>
-                <a:extLst>
-                  <a:ext uri="{0D108BD9-81ED-4DB2-BD59-A6C34878D82A}">
-                    <a16:rowId xmlns:a16="http://schemas.microsoft.com/office/drawing/2014/main" val="3179955572"/>
-                  </a:ext>
-                </a:extLst>
-              </a:tr>
             </a:tbl>
           </a:graphicData>
         </a:graphic>
       </p:graphicFrame>
       <p:sp>
         <p:nvSpPr>
-          <p:cNvPr id="8" name="TextBox 7">
+          <p:cNvPr id="7" name="Parentesi graffa chiusa 6">
             <a:extLst>
               <a:ext uri="{FF2B5EF4-FFF2-40B4-BE49-F238E27FC236}">
-                <a16:creationId xmlns:a16="http://schemas.microsoft.com/office/drawing/2014/main" id="{FD3B7F6C-A01E-76EA-EC45-9A1A68EA0D3B}"/>
+                <a16:creationId xmlns:a16="http://schemas.microsoft.com/office/drawing/2014/main" id="{E36F63D8-F32B-49F0-F8AE-6FDABFB34C41}"/>
+              </a:ext>
+            </a:extLst>
+          </p:cNvPr>
+          <p:cNvSpPr/>
+          <p:nvPr/>
+        </p:nvSpPr>
+        <p:spPr>
+          <a:xfrm>
+            <a:off x="8342616" y="3554858"/>
+            <a:ext cx="297950" cy="1726059"/>
+          </a:xfrm>
+          <a:prstGeom prst="rightBrace">
+            <a:avLst/>
+          </a:prstGeom>
+        </p:spPr>
+        <p:style>
+          <a:lnRef idx="3">
+            <a:schemeClr val="accent2"/>
+          </a:lnRef>
+          <a:fillRef idx="0">
+            <a:schemeClr val="accent2"/>
+          </a:fillRef>
+          <a:effectRef idx="2">
+            <a:schemeClr val="accent2"/>
+          </a:effectRef>
+          <a:fontRef idx="minor">
+            <a:schemeClr val="tx1"/>
+          </a:fontRef>
+        </p:style>
+        <p:txBody>
+          <a:bodyPr rtlCol="0" anchor="ctr"/>
+          <a:lstStyle/>
+          <a:p>
+            <a:pPr algn="ctr"/>
+            <a:endParaRPr lang="it-IT"/>
+          </a:p>
+        </p:txBody>
+      </p:sp>
+      <p:sp>
+        <p:nvSpPr>
+          <p:cNvPr id="9" name="CasellaDiTesto 8">
+            <a:extLst>
+              <a:ext uri="{FF2B5EF4-FFF2-40B4-BE49-F238E27FC236}">
+                <a16:creationId xmlns:a16="http://schemas.microsoft.com/office/drawing/2014/main" id="{4723C782-24E5-6CBA-0B3A-D4FD82B85A10}"/>
               </a:ext>
             </a:extLst>
           </p:cNvPr>
@@ -9208,14 +8807,27 @@
         </p:nvSpPr>
         <p:spPr>
           <a:xfrm>
-            <a:off x="990600" y="5741336"/>
-            <a:ext cx="10271760" cy="646331"/>
+            <a:off x="8804267" y="3817722"/>
+            <a:ext cx="2320933" cy="1200329"/>
           </a:xfrm>
           <a:prstGeom prst="rect">
             <a:avLst/>
           </a:prstGeom>
-          <a:noFill/>
         </p:spPr>
+        <p:style>
+          <a:lnRef idx="2">
+            <a:schemeClr val="dk1"/>
+          </a:lnRef>
+          <a:fillRef idx="1">
+            <a:schemeClr val="lt1"/>
+          </a:fillRef>
+          <a:effectRef idx="0">
+            <a:schemeClr val="dk1"/>
+          </a:effectRef>
+          <a:fontRef idx="minor">
+            <a:schemeClr val="dk1"/>
+          </a:fontRef>
+        </p:style>
         <p:txBody>
           <a:bodyPr wrap="square" rtlCol="0">
             <a:spAutoFit/>
@@ -9223,9 +8835,10 @@
           <a:lstStyle/>
           <a:p>
             <a:r>
-              <a:rPr lang="en-US" dirty="0"/>
-              <a:t>Tao, L., Hong, S., Lin, Y., Chen, Y., He, P. and Tie, Z. (2024). A Real-Time License Plate Detection and Recognition Model in Unconstrained Scenarios. Sensors, 24(9), 2791</a:t>
-            </a:r>
+              <a:rPr lang="en-US"/>
+              <a:t>Showed a negligible accuracy variation from the untransformed dataset</a:t>
+            </a:r>
+            <a:endParaRPr lang="it-IT"/>
           </a:p>
         </p:txBody>
       </p:sp>
@@ -9963,7 +9576,7 @@
           <a:p>
             <a:r>
               <a:rPr lang="en-US" sz="1400"/>
-              <a:t>End-to-end training recommended only if the above condition is satified. Otherwise train each part separately and opportunely fine tune the recognizer with predicted bounding boxes to strengthen noise resistance.</a:t>
+              <a:t>End-to-end training recommended only if the above condition is satisfied. Otherwise train each part separately and opportunely fine tune the recognizer with predicted bounding boxes to strengthen noise resistance.</a:t>
             </a:r>
           </a:p>
           <a:p>
